--- a/Calendario2024/Presentaciones/5_ArquitecturaRed.pptx
+++ b/Calendario2024/Presentaciones/5_ArquitecturaRed.pptx
@@ -213,7 +213,7 @@
           <a:p>
             <a:fld id="{2D445F07-8756-451B-A938-0248325FC7BB}" type="datetimeFigureOut">
               <a:rPr lang="es-MX" smtClean="0"/>
-              <a:t>16/05/2023</a:t>
+              <a:t>13/05/2024</a:t>
             </a:fld>
             <a:endParaRPr lang="es-MX" dirty="0"/>
           </a:p>
@@ -372,7 +372,7 @@
           <a:p>
             <a:fld id="{5993AEC0-242E-4FA7-9D3C-51E1036AC3CB}" type="slidenum">
               <a:rPr lang="es-MX" smtClean="0"/>
-              <a:t>‹Nº›</a:t>
+              <a:t>‹#›</a:t>
             </a:fld>
             <a:endParaRPr lang="es-MX" dirty="0"/>
           </a:p>
@@ -746,7 +746,7 @@
           <a:p>
             <a:fld id="{5E75A0DC-66C6-4CEC-A5EB-F8C97CEC3796}" type="datetimeFigureOut">
               <a:rPr lang="es-MX" smtClean="0"/>
-              <a:t>16/05/2023</a:t>
+              <a:t>13/05/2024</a:t>
             </a:fld>
             <a:endParaRPr lang="es-MX" dirty="0"/>
           </a:p>
@@ -788,7 +788,7 @@
           <a:p>
             <a:fld id="{C077EE1E-7A06-4E7F-9AFB-189FC69B7B0C}" type="slidenum">
               <a:rPr lang="es-MX" smtClean="0"/>
-              <a:t>‹Nº›</a:t>
+              <a:t>‹#›</a:t>
             </a:fld>
             <a:endParaRPr lang="es-MX" dirty="0"/>
           </a:p>
@@ -916,7 +916,7 @@
           <a:p>
             <a:fld id="{5E75A0DC-66C6-4CEC-A5EB-F8C97CEC3796}" type="datetimeFigureOut">
               <a:rPr lang="es-MX" smtClean="0"/>
-              <a:t>16/05/2023</a:t>
+              <a:t>13/05/2024</a:t>
             </a:fld>
             <a:endParaRPr lang="es-MX" dirty="0"/>
           </a:p>
@@ -958,7 +958,7 @@
           <a:p>
             <a:fld id="{C077EE1E-7A06-4E7F-9AFB-189FC69B7B0C}" type="slidenum">
               <a:rPr lang="es-MX" smtClean="0"/>
-              <a:t>‹Nº›</a:t>
+              <a:t>‹#›</a:t>
             </a:fld>
             <a:endParaRPr lang="es-MX" dirty="0"/>
           </a:p>
@@ -1096,7 +1096,7 @@
           <a:p>
             <a:fld id="{5E75A0DC-66C6-4CEC-A5EB-F8C97CEC3796}" type="datetimeFigureOut">
               <a:rPr lang="es-MX" smtClean="0"/>
-              <a:t>16/05/2023</a:t>
+              <a:t>13/05/2024</a:t>
             </a:fld>
             <a:endParaRPr lang="es-MX" dirty="0"/>
           </a:p>
@@ -1138,7 +1138,7 @@
           <a:p>
             <a:fld id="{C077EE1E-7A06-4E7F-9AFB-189FC69B7B0C}" type="slidenum">
               <a:rPr lang="es-MX" smtClean="0"/>
-              <a:t>‹Nº›</a:t>
+              <a:t>‹#›</a:t>
             </a:fld>
             <a:endParaRPr lang="es-MX" dirty="0"/>
           </a:p>
@@ -1266,7 +1266,7 @@
           <a:p>
             <a:fld id="{5E75A0DC-66C6-4CEC-A5EB-F8C97CEC3796}" type="datetimeFigureOut">
               <a:rPr lang="es-MX" smtClean="0"/>
-              <a:t>16/05/2023</a:t>
+              <a:t>13/05/2024</a:t>
             </a:fld>
             <a:endParaRPr lang="es-MX" dirty="0"/>
           </a:p>
@@ -1308,7 +1308,7 @@
           <a:p>
             <a:fld id="{C077EE1E-7A06-4E7F-9AFB-189FC69B7B0C}" type="slidenum">
               <a:rPr lang="es-MX" smtClean="0"/>
-              <a:t>‹Nº›</a:t>
+              <a:t>‹#›</a:t>
             </a:fld>
             <a:endParaRPr lang="es-MX" dirty="0"/>
           </a:p>
@@ -1512,7 +1512,7 @@
           <a:p>
             <a:fld id="{5E75A0DC-66C6-4CEC-A5EB-F8C97CEC3796}" type="datetimeFigureOut">
               <a:rPr lang="es-MX" smtClean="0"/>
-              <a:t>16/05/2023</a:t>
+              <a:t>13/05/2024</a:t>
             </a:fld>
             <a:endParaRPr lang="es-MX" dirty="0"/>
           </a:p>
@@ -1554,7 +1554,7 @@
           <a:p>
             <a:fld id="{C077EE1E-7A06-4E7F-9AFB-189FC69B7B0C}" type="slidenum">
               <a:rPr lang="es-MX" smtClean="0"/>
-              <a:t>‹Nº›</a:t>
+              <a:t>‹#›</a:t>
             </a:fld>
             <a:endParaRPr lang="es-MX" dirty="0"/>
           </a:p>
@@ -1800,7 +1800,7 @@
           <a:p>
             <a:fld id="{5E75A0DC-66C6-4CEC-A5EB-F8C97CEC3796}" type="datetimeFigureOut">
               <a:rPr lang="es-MX" smtClean="0"/>
-              <a:t>16/05/2023</a:t>
+              <a:t>13/05/2024</a:t>
             </a:fld>
             <a:endParaRPr lang="es-MX" dirty="0"/>
           </a:p>
@@ -1842,7 +1842,7 @@
           <a:p>
             <a:fld id="{C077EE1E-7A06-4E7F-9AFB-189FC69B7B0C}" type="slidenum">
               <a:rPr lang="es-MX" smtClean="0"/>
-              <a:t>‹Nº›</a:t>
+              <a:t>‹#›</a:t>
             </a:fld>
             <a:endParaRPr lang="es-MX" dirty="0"/>
           </a:p>
@@ -2222,7 +2222,7 @@
           <a:p>
             <a:fld id="{5E75A0DC-66C6-4CEC-A5EB-F8C97CEC3796}" type="datetimeFigureOut">
               <a:rPr lang="es-MX" smtClean="0"/>
-              <a:t>16/05/2023</a:t>
+              <a:t>13/05/2024</a:t>
             </a:fld>
             <a:endParaRPr lang="es-MX" dirty="0"/>
           </a:p>
@@ -2264,7 +2264,7 @@
           <a:p>
             <a:fld id="{C077EE1E-7A06-4E7F-9AFB-189FC69B7B0C}" type="slidenum">
               <a:rPr lang="es-MX" smtClean="0"/>
-              <a:t>‹Nº›</a:t>
+              <a:t>‹#›</a:t>
             </a:fld>
             <a:endParaRPr lang="es-MX" dirty="0"/>
           </a:p>
@@ -2340,7 +2340,7 @@
           <a:p>
             <a:fld id="{5E75A0DC-66C6-4CEC-A5EB-F8C97CEC3796}" type="datetimeFigureOut">
               <a:rPr lang="es-MX" smtClean="0"/>
-              <a:t>16/05/2023</a:t>
+              <a:t>13/05/2024</a:t>
             </a:fld>
             <a:endParaRPr lang="es-MX" dirty="0"/>
           </a:p>
@@ -2382,7 +2382,7 @@
           <a:p>
             <a:fld id="{C077EE1E-7A06-4E7F-9AFB-189FC69B7B0C}" type="slidenum">
               <a:rPr lang="es-MX" smtClean="0"/>
-              <a:t>‹Nº›</a:t>
+              <a:t>‹#›</a:t>
             </a:fld>
             <a:endParaRPr lang="es-MX" dirty="0"/>
           </a:p>
@@ -2435,7 +2435,7 @@
           <a:p>
             <a:fld id="{5E75A0DC-66C6-4CEC-A5EB-F8C97CEC3796}" type="datetimeFigureOut">
               <a:rPr lang="es-MX" smtClean="0"/>
-              <a:t>16/05/2023</a:t>
+              <a:t>13/05/2024</a:t>
             </a:fld>
             <a:endParaRPr lang="es-MX" dirty="0"/>
           </a:p>
@@ -2477,7 +2477,7 @@
           <a:p>
             <a:fld id="{C077EE1E-7A06-4E7F-9AFB-189FC69B7B0C}" type="slidenum">
               <a:rPr lang="es-MX" smtClean="0"/>
-              <a:t>‹Nº›</a:t>
+              <a:t>‹#›</a:t>
             </a:fld>
             <a:endParaRPr lang="es-MX" dirty="0"/>
           </a:p>
@@ -2712,7 +2712,7 @@
           <a:p>
             <a:fld id="{5E75A0DC-66C6-4CEC-A5EB-F8C97CEC3796}" type="datetimeFigureOut">
               <a:rPr lang="es-MX" smtClean="0"/>
-              <a:t>16/05/2023</a:t>
+              <a:t>13/05/2024</a:t>
             </a:fld>
             <a:endParaRPr lang="es-MX" dirty="0"/>
           </a:p>
@@ -2754,7 +2754,7 @@
           <a:p>
             <a:fld id="{C077EE1E-7A06-4E7F-9AFB-189FC69B7B0C}" type="slidenum">
               <a:rPr lang="es-MX" smtClean="0"/>
-              <a:t>‹Nº›</a:t>
+              <a:t>‹#›</a:t>
             </a:fld>
             <a:endParaRPr lang="es-MX" dirty="0"/>
           </a:p>
@@ -2965,7 +2965,7 @@
           <a:p>
             <a:fld id="{5E75A0DC-66C6-4CEC-A5EB-F8C97CEC3796}" type="datetimeFigureOut">
               <a:rPr lang="es-MX" smtClean="0"/>
-              <a:t>16/05/2023</a:t>
+              <a:t>13/05/2024</a:t>
             </a:fld>
             <a:endParaRPr lang="es-MX" dirty="0"/>
           </a:p>
@@ -3007,7 +3007,7 @@
           <a:p>
             <a:fld id="{C077EE1E-7A06-4E7F-9AFB-189FC69B7B0C}" type="slidenum">
               <a:rPr lang="es-MX" smtClean="0"/>
-              <a:t>‹Nº›</a:t>
+              <a:t>‹#›</a:t>
             </a:fld>
             <a:endParaRPr lang="es-MX" dirty="0"/>
           </a:p>
@@ -3178,7 +3178,7 @@
           <a:p>
             <a:fld id="{5E75A0DC-66C6-4CEC-A5EB-F8C97CEC3796}" type="datetimeFigureOut">
               <a:rPr lang="es-MX" smtClean="0"/>
-              <a:t>16/05/2023</a:t>
+              <a:t>13/05/2024</a:t>
             </a:fld>
             <a:endParaRPr lang="es-MX" dirty="0"/>
           </a:p>
@@ -3256,7 +3256,7 @@
           <a:p>
             <a:fld id="{C077EE1E-7A06-4E7F-9AFB-189FC69B7B0C}" type="slidenum">
               <a:rPr lang="es-MX" smtClean="0"/>
-              <a:t>‹Nº›</a:t>
+              <a:t>‹#›</a:t>
             </a:fld>
             <a:endParaRPr lang="es-MX" dirty="0"/>
           </a:p>
@@ -6084,7 +6084,7 @@
         </p:blipFill>
         <p:spPr>
           <a:xfrm>
-            <a:off x="2915816" y="3051418"/>
+            <a:off x="2987824" y="2780928"/>
             <a:ext cx="5688632" cy="3615515"/>
           </a:xfrm>
           <a:prstGeom prst="rect">
